--- a/report.pptx
+++ b/report.pptx
@@ -19,7 +19,7 @@
     <p:sldId id="350" r:id="rId7"/>
     <p:sldId id="342" r:id="rId8"/>
     <p:sldId id="402" r:id="rId9"/>
-    <p:sldId id="403" r:id="rId10"/>
+    <p:sldId id="449" r:id="rId10"/>
     <p:sldId id="399" r:id="rId11"/>
     <p:sldId id="405" r:id="rId12"/>
     <p:sldId id="404" r:id="rId13"/>
@@ -258,7 +258,7 @@
           <a:p>
             <a:fld id="{BAF7AFAA-0568-416E-9C60-7465667FE499}" type="datetimeFigureOut">
               <a:rPr lang="ru-RU" smtClean="0"/>
-              <a:t>18.03.2020</a:t>
+              <a:t>08.04.2020</a:t>
             </a:fld>
             <a:endParaRPr lang="ru-RU"/>
           </a:p>
@@ -423,7 +423,7 @@
           <a:p>
             <a:fld id="{E51DBAD8-84C3-4BF1-975A-9C555913CA3B}" type="datetimeFigureOut">
               <a:rPr lang="ru-RU" smtClean="0"/>
-              <a:t>18.03.2020</a:t>
+              <a:t>08.04.2020</a:t>
             </a:fld>
             <a:endParaRPr lang="ru-RU"/>
           </a:p>
@@ -833,7 +833,7 @@
           <a:p>
             <a:fld id="{A7D538B6-79FA-4D7F-9F27-6C50CB5B2EA4}" type="datetime1">
               <a:rPr lang="en-US" smtClean="0"/>
-              <a:t>3/18/2020</a:t>
+              <a:t>4/8/2020</a:t>
             </a:fld>
             <a:endParaRPr lang="en-US" dirty="0"/>
           </a:p>
@@ -1013,7 +1013,7 @@
           <a:p>
             <a:fld id="{4BD736BA-141F-483E-A92F-B8E42509EAAA}" type="datetime1">
               <a:rPr lang="en-US" smtClean="0"/>
-              <a:t>3/18/2020</a:t>
+              <a:t>4/8/2020</a:t>
             </a:fld>
             <a:endParaRPr lang="en-US" dirty="0"/>
           </a:p>
@@ -1193,7 +1193,7 @@
           <a:p>
             <a:fld id="{D426EB5E-908C-4240-BA43-25372CC5B984}" type="datetime1">
               <a:rPr lang="en-US" smtClean="0"/>
-              <a:t>3/18/2020</a:t>
+              <a:t>4/8/2020</a:t>
             </a:fld>
             <a:endParaRPr lang="en-US" dirty="0"/>
           </a:p>
@@ -1397,7 +1397,7 @@
           <a:p>
             <a:fld id="{EC1BA523-C300-408D-91CB-3BD640447FA1}" type="datetime1">
               <a:rPr lang="en-US" smtClean="0"/>
-              <a:t>3/18/2020</a:t>
+              <a:t>4/8/2020</a:t>
             </a:fld>
             <a:endParaRPr lang="en-US" dirty="0"/>
           </a:p>
@@ -1568,7 +1568,7 @@
           <a:p>
             <a:fld id="{F73342FA-BFDD-4616-850D-FC6F3855A262}" type="datetime1">
               <a:rPr lang="en-US" smtClean="0"/>
-              <a:t>3/18/2020</a:t>
+              <a:t>4/8/2020</a:t>
             </a:fld>
             <a:endParaRPr lang="en-US" dirty="0"/>
           </a:p>
@@ -1829,7 +1829,7 @@
           <a:p>
             <a:fld id="{8554DE4C-F374-4CBD-B6A2-D2EA56BC83E9}" type="datetime1">
               <a:rPr lang="en-US" smtClean="0"/>
-              <a:t>3/18/2020</a:t>
+              <a:t>4/8/2020</a:t>
             </a:fld>
             <a:endParaRPr lang="en-US" dirty="0"/>
           </a:p>
@@ -2071,7 +2071,7 @@
           <a:p>
             <a:fld id="{57EE42FC-0706-4590-B347-A5D7C11EAF8A}" type="datetime1">
               <a:rPr lang="en-US" smtClean="0"/>
-              <a:t>3/18/2020</a:t>
+              <a:t>4/8/2020</a:t>
             </a:fld>
             <a:endParaRPr lang="en-US" dirty="0"/>
           </a:p>
@@ -2428,7 +2428,7 @@
           <a:p>
             <a:fld id="{49EB7B0E-747D-4A91-895F-589106A7AAAF}" type="datetime1">
               <a:rPr lang="en-US" smtClean="0"/>
-              <a:t>3/18/2020</a:t>
+              <a:t>4/8/2020</a:t>
             </a:fld>
             <a:endParaRPr lang="en-US" dirty="0"/>
           </a:p>
@@ -2556,7 +2556,7 @@
           <a:p>
             <a:fld id="{E9F21A0E-9023-46EA-AF15-DC231C211C09}" type="datetime1">
               <a:rPr lang="en-US" smtClean="0"/>
-              <a:t>3/18/2020</a:t>
+              <a:t>4/8/2020</a:t>
             </a:fld>
             <a:endParaRPr lang="en-US" dirty="0"/>
           </a:p>
@@ -2684,7 +2684,7 @@
           <a:p>
             <a:fld id="{3530DC78-3572-4DFE-983A-8F1A930DBB81}" type="datetime1">
               <a:rPr lang="en-US" smtClean="0"/>
-              <a:t>3/18/2020</a:t>
+              <a:t>4/8/2020</a:t>
             </a:fld>
             <a:endParaRPr lang="en-US" dirty="0"/>
           </a:p>
@@ -2978,7 +2978,7 @@
           <a:p>
             <a:fld id="{F9074BA3-5531-47A9-B107-9B15C9939030}" type="datetime1">
               <a:rPr lang="en-US" smtClean="0"/>
-              <a:t>3/18/2020</a:t>
+              <a:t>4/8/2020</a:t>
             </a:fld>
             <a:endParaRPr lang="en-US" dirty="0"/>
           </a:p>
@@ -3158,7 +3158,7 @@
           <a:p>
             <a:fld id="{F49E48BC-4127-4A4D-808F-75067438C071}" type="datetime1">
               <a:rPr lang="en-US" smtClean="0"/>
-              <a:t>3/18/2020</a:t>
+              <a:t>4/8/2020</a:t>
             </a:fld>
             <a:endParaRPr lang="en-US" dirty="0"/>
           </a:p>
@@ -3423,7 +3423,7 @@
           <a:p>
             <a:fld id="{1968E8A9-7B75-4208-A1FB-0D56EABF04DC}" type="datetime1">
               <a:rPr lang="en-US" smtClean="0"/>
-              <a:t>3/18/2020</a:t>
+              <a:t>4/8/2020</a:t>
             </a:fld>
             <a:endParaRPr lang="en-US" dirty="0"/>
           </a:p>
@@ -3603,7 +3603,7 @@
           <a:p>
             <a:fld id="{6143CF91-6107-4F86-887E-94165D356371}" type="datetime1">
               <a:rPr lang="en-US" smtClean="0"/>
-              <a:t>3/18/2020</a:t>
+              <a:t>4/8/2020</a:t>
             </a:fld>
             <a:endParaRPr lang="en-US" dirty="0"/>
           </a:p>
@@ -3793,7 +3793,7 @@
           <a:p>
             <a:fld id="{014A646D-13E1-45B3-A1DD-264A39A8488F}" type="datetime1">
               <a:rPr lang="en-US" smtClean="0"/>
-              <a:t>3/18/2020</a:t>
+              <a:t>4/8/2020</a:t>
             </a:fld>
             <a:endParaRPr lang="en-US" dirty="0"/>
           </a:p>
@@ -4054,7 +4054,7 @@
           <a:p>
             <a:fld id="{666298EC-17EF-421C-81A5-A66B9547A1D6}" type="datetime1">
               <a:rPr lang="en-US" smtClean="0"/>
-              <a:t>3/18/2020</a:t>
+              <a:t>4/8/2020</a:t>
             </a:fld>
             <a:endParaRPr lang="en-US" dirty="0"/>
           </a:p>
@@ -4287,7 +4287,7 @@
           <a:p>
             <a:fld id="{24CEFEC1-4EDC-4001-86BB-D9566DC979A0}" type="datetime1">
               <a:rPr lang="en-US" smtClean="0"/>
-              <a:t>3/18/2020</a:t>
+              <a:t>4/8/2020</a:t>
             </a:fld>
             <a:endParaRPr lang="en-US" dirty="0"/>
           </a:p>
@@ -4634,7 +4634,7 @@
           <a:p>
             <a:fld id="{C744317C-BABD-48B5-A0F7-EB1EADDA384A}" type="datetime1">
               <a:rPr lang="en-US" smtClean="0"/>
-              <a:t>3/18/2020</a:t>
+              <a:t>4/8/2020</a:t>
             </a:fld>
             <a:endParaRPr lang="en-US" dirty="0"/>
           </a:p>
@@ -4753,7 +4753,7 @@
           <a:p>
             <a:fld id="{E26ADABB-6D73-438F-ACC7-384CCF408682}" type="datetime1">
               <a:rPr lang="en-US" smtClean="0"/>
-              <a:t>3/18/2020</a:t>
+              <a:t>4/8/2020</a:t>
             </a:fld>
             <a:endParaRPr lang="en-US" dirty="0"/>
           </a:p>
@@ -4872,7 +4872,7 @@
           <a:p>
             <a:fld id="{706CB90A-3877-4F4E-A552-1EDC004EB84C}" type="datetime1">
               <a:rPr lang="en-US" smtClean="0"/>
-              <a:t>3/18/2020</a:t>
+              <a:t>4/8/2020</a:t>
             </a:fld>
             <a:endParaRPr lang="en-US" dirty="0"/>
           </a:p>
@@ -5157,7 +5157,7 @@
           <a:p>
             <a:fld id="{EEB3D8B3-3480-4517-8CBB-A5480A2CE1F1}" type="datetime1">
               <a:rPr lang="en-US" smtClean="0"/>
-              <a:t>3/18/2020</a:t>
+              <a:t>4/8/2020</a:t>
             </a:fld>
             <a:endParaRPr lang="en-US" dirty="0"/>
           </a:p>
@@ -5421,7 +5421,7 @@
           <a:p>
             <a:fld id="{1983DE13-1DAE-4765-B243-D718EE9587AD}" type="datetime1">
               <a:rPr lang="en-US" smtClean="0"/>
-              <a:t>3/18/2020</a:t>
+              <a:t>4/8/2020</a:t>
             </a:fld>
             <a:endParaRPr lang="en-US" dirty="0"/>
           </a:p>
@@ -5636,7 +5636,7 @@
           <a:p>
             <a:fld id="{08815A1D-85D4-40D4-89F6-5E6A04C78DD3}" type="datetime1">
               <a:rPr lang="en-US" smtClean="0"/>
-              <a:t>3/18/2020</a:t>
+              <a:t>4/8/2020</a:t>
             </a:fld>
             <a:endParaRPr lang="en-US" dirty="0"/>
           </a:p>
@@ -6168,7 +6168,7 @@
           <a:p>
             <a:fld id="{BFB4EA04-2EA8-4997-9080-443195CAF33A}" type="datetime1">
               <a:rPr lang="en-US" smtClean="0"/>
-              <a:t>3/18/2020</a:t>
+              <a:t>4/8/2020</a:t>
             </a:fld>
             <a:endParaRPr lang="en-US" dirty="0"/>
           </a:p>
@@ -9687,7 +9687,6 @@
               <a:rPr lang="ru-RU" sz="4400" b="1" dirty="0" smtClean="0"/>
               <a:t>Неудобное форматирование вывода</a:t>
             </a:r>
-            <a:endParaRPr lang="ru-RU" sz="4400" b="1" dirty="0" smtClean="0"/>
           </a:p>
         </p:txBody>
       </p:sp>
@@ -11995,7 +11994,6 @@
               <a:lnSpc>
                 <a:spcPct val="150000"/>
               </a:lnSpc>
-              <a:buFont typeface="Wingdings 2" pitchFamily="18" charset="2"/>
               <a:buNone/>
             </a:pPr>
             <a:r>
@@ -12003,8 +12001,16 @@
               <a:t>Go </a:t>
             </a:r>
             <a:r>
+              <a:rPr lang="ru-RU" sz="4400" b="1" dirty="0"/>
+              <a:t>процедурный</a:t>
+            </a:r>
+            <a:r>
+              <a:rPr lang="en-US" sz="4400" b="1" dirty="0" smtClean="0"/>
+              <a:t> </a:t>
+            </a:r>
+            <a:r>
               <a:rPr lang="ru-RU" sz="4400" b="1" dirty="0" smtClean="0"/>
-              <a:t>язык процедурный</a:t>
+              <a:t>язык</a:t>
             </a:r>
             <a:endParaRPr lang="ru-RU" sz="4400" b="1" dirty="0" smtClean="0"/>
           </a:p>
@@ -14936,7 +14942,6 @@
               <a:lnSpc>
                 <a:spcPct val="200000"/>
               </a:lnSpc>
-              <a:buFont typeface="Wingdings 2" pitchFamily="18" charset="2"/>
               <a:buNone/>
             </a:pPr>
             <a:r>
@@ -14945,7 +14950,15 @@
             </a:r>
             <a:r>
               <a:rPr lang="en-US" sz="4400" b="1" dirty="0" smtClean="0"/>
-              <a:t>efer – panic - recover</a:t>
+              <a:t>efer – panic </a:t>
+            </a:r>
+            <a:r>
+              <a:rPr lang="en-US" sz="4400" b="1" dirty="0"/>
+              <a:t>– </a:t>
+            </a:r>
+            <a:r>
+              <a:rPr lang="en-US" sz="4400" b="1" dirty="0" smtClean="0"/>
+              <a:t>recover</a:t>
             </a:r>
             <a:endParaRPr lang="ru-RU" sz="4400" b="1" dirty="0" smtClean="0"/>
           </a:p>
@@ -21573,18 +21586,11 @@
             </a:pPr>
             <a:r>
               <a:rPr lang="ru-RU" sz="3600" b="1" dirty="0" smtClean="0"/>
-              <a:t>Язык программирования общего назначения</a:t>
-            </a:r>
-          </a:p>
-          <a:p>
-            <a:pPr>
-              <a:lnSpc>
-                <a:spcPct val="200000"/>
-              </a:lnSpc>
-            </a:pPr>
+              <a:t>Разработанный </a:t>
+            </a:r>
             <a:r>
               <a:rPr lang="ru-RU" sz="3600" b="1" dirty="0" smtClean="0"/>
-              <a:t>Разработанный внутри компании </a:t>
+              <a:t>внутри компании </a:t>
             </a:r>
             <a:r>
               <a:rPr lang="en-US" sz="3600" b="1" dirty="0" smtClean="0"/>
@@ -21692,16 +21698,16 @@
                 </a:solidFill>
                 <a:latin typeface="+mn-lt"/>
               </a:rPr>
-              <a:t>Что такое </a:t>
-            </a:r>
-            <a:r>
-              <a:rPr lang="en-US" sz="5400" b="1" dirty="0" smtClean="0">
+              <a:t>ЯП </a:t>
+            </a:r>
+            <a:r>
+              <a:rPr lang="ru-RU" sz="5400" b="1" dirty="0">
                 <a:solidFill>
                   <a:schemeClr val="bg1"/>
                 </a:solidFill>
                 <a:latin typeface="+mn-lt"/>
               </a:rPr>
-              <a:t>Go</a:t>
+              <a:t>общего назначения</a:t>
             </a:r>
             <a:endParaRPr lang="ru-RU" sz="5400" b="1" dirty="0">
               <a:solidFill>
@@ -23701,7 +23707,6 @@
               <a:rPr lang="ru-RU" sz="4400" b="1" dirty="0" smtClean="0"/>
               <a:t>Спасибо за внимание!</a:t>
             </a:r>
-            <a:endParaRPr lang="ru-RU" sz="4400" b="1" dirty="0" smtClean="0"/>
           </a:p>
         </p:txBody>
       </p:sp>
@@ -24437,15 +24442,78 @@
           <a:lstStyle/>
           <a:p>
             <a:r>
-              <a:rPr lang="en-US" sz="5400" b="1" dirty="0" smtClean="0">
+              <a:rPr lang="ru-RU" sz="4800" b="1" dirty="0">
                 <a:solidFill>
                   <a:schemeClr val="bg1"/>
                 </a:solidFill>
                 <a:latin typeface="+mn-lt"/>
               </a:rPr>
-              <a:t>Go vs ….</a:t>
-            </a:r>
-            <a:endParaRPr lang="ru-RU" sz="5400" b="1" dirty="0">
+              <a:t>Минусы </a:t>
+            </a:r>
+            <a:r>
+              <a:rPr lang="en-US" sz="4800" b="1" dirty="0" err="1" smtClean="0">
+                <a:solidFill>
+                  <a:schemeClr val="bg1"/>
+                </a:solidFill>
+                <a:latin typeface="+mn-lt"/>
+              </a:rPr>
+              <a:t>GraalVm</a:t>
+            </a:r>
+            <a:r>
+              <a:rPr lang="en-US" sz="4800" b="1" dirty="0" smtClean="0">
+                <a:solidFill>
+                  <a:schemeClr val="bg1"/>
+                </a:solidFill>
+                <a:latin typeface="+mn-lt"/>
+              </a:rPr>
+              <a:t>, </a:t>
+            </a:r>
+            <a:r>
+              <a:rPr lang="en-US" sz="4800" b="1" dirty="0" err="1">
+                <a:solidFill>
+                  <a:schemeClr val="bg1"/>
+                </a:solidFill>
+                <a:latin typeface="+mn-lt"/>
+              </a:rPr>
+              <a:t>Kotlin</a:t>
+            </a:r>
+            <a:r>
+              <a:rPr lang="ru-RU" sz="4800" b="1" dirty="0" smtClean="0">
+                <a:solidFill>
+                  <a:schemeClr val="bg1"/>
+                </a:solidFill>
+                <a:latin typeface="+mn-lt"/>
+              </a:rPr>
+              <a:t> и</a:t>
+            </a:r>
+            <a:r>
+              <a:rPr lang="en-US" sz="4800" b="1" dirty="0" smtClean="0">
+                <a:solidFill>
+                  <a:schemeClr val="bg1"/>
+                </a:solidFill>
+                <a:latin typeface="+mn-lt"/>
+              </a:rPr>
+              <a:t> </a:t>
+            </a:r>
+            <a:r>
+              <a:rPr lang="en-US" sz="4800" b="1" dirty="0">
+                <a:solidFill>
+                  <a:schemeClr val="bg1"/>
+                </a:solidFill>
+                <a:latin typeface="+mn-lt"/>
+              </a:rPr>
+              <a:t>Scala </a:t>
+            </a:r>
+            <a:r>
+              <a:rPr lang="en-US" sz="4800" b="1" dirty="0" smtClean="0">
+                <a:solidFill>
+                  <a:schemeClr val="bg1"/>
+                </a:solidFill>
+                <a:latin typeface="+mn-lt"/>
+              </a:rPr>
+              <a:t>native</a:t>
+            </a:r>
+            <a:endParaRPr lang="ru-RU" sz="4800" b="1" dirty="0">
               <a:solidFill>
                 <a:schemeClr val="bg1"/>
               </a:solidFill>
@@ -24500,114 +24568,72 @@
           </a:bodyPr>
           <a:lstStyle/>
           <a:p>
-            <a:pPr marL="0" indent="0">
-              <a:lnSpc>
-                <a:spcPct val="100000"/>
-              </a:lnSpc>
-              <a:buNone/>
+            <a:pPr>
+              <a:lnSpc>
+                <a:spcPct val="150000"/>
+              </a:lnSpc>
             </a:pPr>
             <a:r>
-              <a:rPr lang="ru-RU" sz="3600" b="1" dirty="0" smtClean="0"/>
-              <a:t>Минусы </a:t>
-            </a:r>
-            <a:r>
-              <a:rPr lang="en-US" sz="3600" b="1" dirty="0" err="1" smtClean="0"/>
-              <a:t>Kotlin</a:t>
-            </a:r>
-            <a:r>
-              <a:rPr lang="en-US" sz="3600" b="1" dirty="0" smtClean="0"/>
-              <a:t> native, Scala native </a:t>
-            </a:r>
-            <a:r>
-              <a:rPr lang="ru-RU" sz="3600" b="1" dirty="0" smtClean="0"/>
-              <a:t>и </a:t>
-            </a:r>
-            <a:r>
-              <a:rPr lang="en-US" sz="3600" b="1" dirty="0" err="1" smtClean="0"/>
-              <a:t>GraalVm</a:t>
-            </a:r>
-            <a:r>
-              <a:rPr lang="ru-RU" sz="3600" b="1" dirty="0" smtClean="0"/>
-              <a:t>. </a:t>
-            </a:r>
+              <a:rPr lang="ru-RU" sz="4400" b="1" dirty="0" err="1"/>
+              <a:t>Н</a:t>
+            </a:r>
+            <a:r>
+              <a:rPr lang="ru-RU" sz="4400" b="1" dirty="0" err="1" smtClean="0"/>
+              <a:t>едозрелость</a:t>
+            </a:r>
+            <a:r>
+              <a:rPr lang="ru-RU" sz="4400" b="1" dirty="0" smtClean="0"/>
+              <a:t>, и дозрелости не </a:t>
+            </a:r>
+            <a:r>
+              <a:rPr lang="ru-RU" sz="4400" b="1" dirty="0" smtClean="0"/>
+              <a:t>будет</a:t>
+            </a:r>
+            <a:endParaRPr lang="ru-RU" sz="4400" b="1" dirty="0" smtClean="0"/>
           </a:p>
           <a:p>
             <a:pPr>
               <a:lnSpc>
-                <a:spcPct val="100000"/>
+                <a:spcPct val="150000"/>
               </a:lnSpc>
             </a:pPr>
             <a:r>
-              <a:rPr lang="ru-RU" sz="3600" b="1" dirty="0" err="1"/>
-              <a:t>н</a:t>
-            </a:r>
-            <a:r>
-              <a:rPr lang="ru-RU" sz="3600" b="1" dirty="0" err="1" smtClean="0"/>
-              <a:t>едозрелость</a:t>
-            </a:r>
-            <a:r>
-              <a:rPr lang="ru-RU" sz="3600" b="1" dirty="0" smtClean="0"/>
-              <a:t>, и дозрелости не будет</a:t>
-            </a:r>
+              <a:rPr lang="ru-RU" sz="4400" b="1" dirty="0"/>
+              <a:t>Н</a:t>
+            </a:r>
+            <a:r>
+              <a:rPr lang="ru-RU" sz="4400" b="1" dirty="0" smtClean="0"/>
+              <a:t>адуманной </a:t>
+            </a:r>
+            <a:r>
+              <a:rPr lang="ru-RU" sz="4400" b="1" dirty="0" smtClean="0"/>
+              <a:t>как компиляция в </a:t>
+            </a:r>
+            <a:r>
+              <a:rPr lang="en-US" sz="4400" b="1" dirty="0" smtClean="0"/>
+              <a:t>JS</a:t>
+            </a:r>
+            <a:r>
+              <a:rPr lang="ru-RU" sz="4400" b="1" dirty="0" smtClean="0"/>
+              <a:t> или </a:t>
+            </a:r>
+            <a:r>
+              <a:rPr lang="en-US" sz="4400" b="1" dirty="0" err="1" smtClean="0"/>
+              <a:t>WebAssembly</a:t>
+            </a:r>
+            <a:endParaRPr lang="en-US" sz="4400" b="1" dirty="0" smtClean="0"/>
           </a:p>
           <a:p>
             <a:pPr>
               <a:lnSpc>
-                <a:spcPct val="100000"/>
+                <a:spcPct val="150000"/>
               </a:lnSpc>
             </a:pPr>
             <a:r>
-              <a:rPr lang="ru-RU" sz="3600" b="1" dirty="0" smtClean="0"/>
-              <a:t>надуманной как компиляция в </a:t>
-            </a:r>
-            <a:r>
-              <a:rPr lang="en-US" sz="3600" b="1" dirty="0" smtClean="0"/>
-              <a:t>JS</a:t>
-            </a:r>
-            <a:endParaRPr lang="ru-RU" sz="3600" b="1" dirty="0" smtClean="0"/>
-          </a:p>
-          <a:p>
-            <a:pPr marL="0" indent="0">
-              <a:lnSpc>
-                <a:spcPct val="100000"/>
-              </a:lnSpc>
-              <a:buNone/>
-            </a:pPr>
-            <a:r>
-              <a:rPr lang="en-US" sz="3600" b="1" dirty="0" smtClean="0"/>
-              <a:t>Go </a:t>
-            </a:r>
-            <a:r>
-              <a:rPr lang="ru-RU" sz="3600" b="1" dirty="0" smtClean="0"/>
-              <a:t>изначально проектировался для </a:t>
-            </a:r>
-            <a:r>
-              <a:rPr lang="en-US" sz="3600" b="1" dirty="0" smtClean="0"/>
-              <a:t>single binary</a:t>
-            </a:r>
-            <a:endParaRPr lang="ru-RU" sz="3600" b="1" dirty="0" smtClean="0"/>
-          </a:p>
-          <a:p>
-            <a:pPr>
-              <a:lnSpc>
-                <a:spcPct val="100000"/>
-              </a:lnSpc>
-            </a:pPr>
-            <a:r>
-              <a:rPr lang="ru-RU" sz="3600" b="1" dirty="0" smtClean="0"/>
-              <a:t>Другой подход к исполнению</a:t>
-            </a:r>
-          </a:p>
-          <a:p>
-            <a:pPr>
-              <a:lnSpc>
-                <a:spcPct val="100000"/>
-              </a:lnSpc>
-            </a:pPr>
-            <a:r>
-              <a:rPr lang="ru-RU" sz="3600" b="1" dirty="0" smtClean="0"/>
-              <a:t>Другой подход к разделению кода</a:t>
-            </a:r>
+              <a:rPr lang="ru-RU" sz="4400" b="1" dirty="0" smtClean="0"/>
+              <a:t>Изначально проектировались для другого подхода при разработке</a:t>
+            </a:r>
+            <a:endParaRPr lang="ru-RU" sz="4400" b="1" dirty="0" smtClean="0"/>
           </a:p>
           <a:p>
             <a:pPr marL="0" indent="0">
@@ -24623,7 +24649,7 @@
     </p:spTree>
     <p:extLst>
       <p:ext uri="{BB962C8B-B14F-4D97-AF65-F5344CB8AC3E}">
-        <p14:creationId xmlns:p14="http://schemas.microsoft.com/office/powerpoint/2010/main" val="4099435499"/>
+        <p14:creationId xmlns:p14="http://schemas.microsoft.com/office/powerpoint/2010/main" val="2325379916"/>
       </p:ext>
     </p:extLst>
   </p:cSld>
